--- a/EKrut/עבודת צוות קבוצה 15 (1).pptx
+++ b/EKrut/עבודת צוות קבוצה 15 (1).pptx
@@ -128,6 +128,56 @@
     </p:ext>
   </p:extLst>
 </p:presentation>
+</file>
+
+<file path=ppt/revisionInfo.xml><?xml version="1.0" encoding="utf-8"?>
+<p1510:revInfo xmlns:a="http://schemas.openxmlformats.org/drawingml/2006/main" xmlns:r="http://schemas.openxmlformats.org/officeDocument/2006/relationships" xmlns:p1510="http://schemas.microsoft.com/office/powerpoint/2015/10/main">
+  <p1510:revLst>
+    <p1510:client id="{C9FF0C1C-9F7A-4CD8-8249-A271D2A00C32}" v="6" dt="2023-01-09T15:07:26.489"/>
+  </p1510:revLst>
+</p1510:revInfo>
+</file>
+
+<file path=ppt/changesInfos/changesInfo1.xml><?xml version="1.0" encoding="utf-8"?>
+<pc:chgInfo xmlns:a="http://schemas.openxmlformats.org/drawingml/2006/main" xmlns:r="http://schemas.openxmlformats.org/officeDocument/2006/relationships" xmlns:ac="http://schemas.microsoft.com/office/drawing/2013/main/command" xmlns:pc="http://schemas.microsoft.com/office/powerpoint/2013/main/command">
+  <pc:docChgLst>
+    <pc:chgData name="ויטל מרציאנו" userId="227e1458-b9c9-4ac8-9e24-f904ccbd652e" providerId="ADAL" clId="{C9FF0C1C-9F7A-4CD8-8249-A271D2A00C32}"/>
+    <pc:docChg chg="custSel modSld sldOrd">
+      <pc:chgData name="ויטל מרציאנו" userId="227e1458-b9c9-4ac8-9e24-f904ccbd652e" providerId="ADAL" clId="{C9FF0C1C-9F7A-4CD8-8249-A271D2A00C32}" dt="2023-01-09T15:28:09.577" v="2359" actId="20577"/>
+      <pc:docMkLst>
+        <pc:docMk/>
+      </pc:docMkLst>
+      <pc:sldChg chg="ord modNotesTx">
+        <pc:chgData name="ויטל מרציאנו" userId="227e1458-b9c9-4ac8-9e24-f904ccbd652e" providerId="ADAL" clId="{C9FF0C1C-9F7A-4CD8-8249-A271D2A00C32}" dt="2023-01-09T14:50:52.545" v="148" actId="20577"/>
+        <pc:sldMkLst>
+          <pc:docMk/>
+          <pc:sldMk cId="938984781" sldId="256"/>
+        </pc:sldMkLst>
+      </pc:sldChg>
+      <pc:sldChg chg="modNotesTx">
+        <pc:chgData name="ויטל מרציאנו" userId="227e1458-b9c9-4ac8-9e24-f904ccbd652e" providerId="ADAL" clId="{C9FF0C1C-9F7A-4CD8-8249-A271D2A00C32}" dt="2023-01-09T15:06:17.095" v="1484" actId="20577"/>
+        <pc:sldMkLst>
+          <pc:docMk/>
+          <pc:sldMk cId="438638618" sldId="257"/>
+        </pc:sldMkLst>
+      </pc:sldChg>
+      <pc:sldChg chg="modNotesTx">
+        <pc:chgData name="ויטל מרציאנו" userId="227e1458-b9c9-4ac8-9e24-f904ccbd652e" providerId="ADAL" clId="{C9FF0C1C-9F7A-4CD8-8249-A271D2A00C32}" dt="2023-01-09T15:28:09.577" v="2359" actId="20577"/>
+        <pc:sldMkLst>
+          <pc:docMk/>
+          <pc:sldMk cId="3317050035" sldId="258"/>
+        </pc:sldMkLst>
+      </pc:sldChg>
+      <pc:sldChg chg="modNotesTx">
+        <pc:chgData name="ויטל מרציאנו" userId="227e1458-b9c9-4ac8-9e24-f904ccbd652e" providerId="ADAL" clId="{C9FF0C1C-9F7A-4CD8-8249-A271D2A00C32}" dt="2023-01-09T15:12:28.084" v="2043" actId="20577"/>
+        <pc:sldMkLst>
+          <pc:docMk/>
+          <pc:sldMk cId="1018936659" sldId="260"/>
+        </pc:sldMkLst>
+      </pc:sldChg>
+    </pc:docChg>
+  </pc:docChgLst>
+</pc:chgInfo>
 </file>
 
 <file path=ppt/diagrams/colors1.xml><?xml version="1.0" encoding="utf-8"?>
@@ -8188,7 +8238,7 @@
   <dgm:whole/>
   <dgm:extLst>
     <a:ext uri="http://schemas.microsoft.com/office/drawing/2008/diagram">
-      <dsp:dataModelExt xmlns:dsp="http://schemas.microsoft.com/office/drawing/2008/diagram" relId="rId6" minVer="http://schemas.openxmlformats.org/drawingml/2006/diagram"/>
+      <dsp:dataModelExt xmlns:dsp="http://schemas.microsoft.com/office/drawing/2008/diagram" relId="rId7" minVer="http://schemas.openxmlformats.org/drawingml/2006/diagram"/>
     </a:ext>
   </dgm:extLst>
 </dgm:dataModel>
@@ -27381,7 +27431,7 @@
           <a:p>
             <a:fld id="{2C2F25B4-D8EB-4113-8721-BDF77E1D5F6F}" type="datetimeFigureOut">
               <a:rPr lang="en-IL" smtClean="0"/>
-              <a:t>01/08/2023</a:t>
+              <a:t>01/09/2023</a:t>
             </a:fld>
             <a:endParaRPr lang="en-IL"/>
           </a:p>
@@ -27695,7 +27745,21 @@
           <a:p>
             <a:r>
               <a:rPr lang="he-IL" dirty="0"/>
-              <a:t>ויטל</a:t>
+              <a:t>שלום לכולם , </a:t>
+            </a:r>
+          </a:p>
+          <a:p>
+            <a:r>
+              <a:rPr lang="he-IL" dirty="0"/>
+              <a:t>אני ויטל ואני יחד עם נטע </a:t>
+            </a:r>
+            <a:r>
+              <a:rPr lang="he-IL" dirty="0" err="1"/>
+              <a:t>לידור</a:t>
+            </a:r>
+            <a:r>
+              <a:rPr lang="he-IL" dirty="0"/>
+              <a:t> דוד ודימה נציג לכם את תהליך העבודה שלנו כצוות.</a:t>
             </a:r>
           </a:p>
         </p:txBody>
@@ -27717,7 +27781,7 @@
           <a:p>
             <a:fld id="{AC779FFA-6099-4409-93C1-2C97DB6DC30D}" type="slidenum">
               <a:rPr lang="en-IL" smtClean="0"/>
-              <a:t>3</a:t>
+              <a:t>1</a:t>
             </a:fld>
             <a:endParaRPr lang="en-IL"/>
           </a:p>
@@ -27726,7 +27790,7 @@
     </p:spTree>
     <p:extLst>
       <p:ext uri="{BB962C8B-B14F-4D97-AF65-F5344CB8AC3E}">
-        <p14:creationId xmlns:p14="http://schemas.microsoft.com/office/powerpoint/2010/main" val="2645203687"/>
+        <p14:creationId xmlns:p14="http://schemas.microsoft.com/office/powerpoint/2010/main" val="1116975644"/>
       </p:ext>
     </p:extLst>
   </p:cSld>
@@ -27737,6 +27801,266 @@
 </file>
 
 <file path=ppt/notesSlides/notesSlide10.xml><?xml version="1.0" encoding="utf-8"?>
+<p:notes xmlns:a="http://schemas.openxmlformats.org/drawingml/2006/main" xmlns:r="http://schemas.openxmlformats.org/officeDocument/2006/relationships" xmlns:p="http://schemas.openxmlformats.org/presentationml/2006/main">
+  <p:cSld>
+    <p:spTree>
+      <p:nvGrpSpPr>
+        <p:cNvPr id="1" name=""/>
+        <p:cNvGrpSpPr/>
+        <p:nvPr/>
+      </p:nvGrpSpPr>
+      <p:grpSpPr>
+        <a:xfrm>
+          <a:off x="0" y="0"/>
+          <a:ext cx="0" cy="0"/>
+          <a:chOff x="0" y="0"/>
+          <a:chExt cx="0" cy="0"/>
+        </a:xfrm>
+      </p:grpSpPr>
+      <p:sp>
+        <p:nvSpPr>
+          <p:cNvPr id="2" name="מציין מיקום של תמונת שקופית 1"/>
+          <p:cNvSpPr>
+            <a:spLocks noGrp="1" noRot="1" noChangeAspect="1"/>
+          </p:cNvSpPr>
+          <p:nvPr>
+            <p:ph type="sldImg"/>
+          </p:nvPr>
+        </p:nvSpPr>
+        <p:spPr/>
+      </p:sp>
+      <p:sp>
+        <p:nvSpPr>
+          <p:cNvPr id="3" name="מציין מיקום של הערות 2"/>
+          <p:cNvSpPr>
+            <a:spLocks noGrp="1"/>
+          </p:cNvSpPr>
+          <p:nvPr>
+            <p:ph type="body" idx="1"/>
+          </p:nvPr>
+        </p:nvSpPr>
+        <p:spPr/>
+        <p:txBody>
+          <a:bodyPr/>
+          <a:lstStyle/>
+          <a:p>
+            <a:r>
+              <a:rPr lang="he-IL" dirty="0"/>
+              <a:t>דימה</a:t>
+            </a:r>
+          </a:p>
+          <a:p>
+            <a:r>
+              <a:rPr lang="he-IL" dirty="0"/>
+              <a:t>איך יראו חלק מהמסכים / עיצוב ממשק</a:t>
+            </a:r>
+          </a:p>
+          <a:p>
+            <a:r>
+              <a:rPr lang="he-IL" dirty="0"/>
+              <a:t>תכנון- </a:t>
+            </a:r>
+            <a:r>
+              <a:rPr lang="he-IL" dirty="0" err="1"/>
+              <a:t>פאקג'ים</a:t>
+            </a:r>
+            <a:r>
+              <a:rPr lang="he-IL" dirty="0"/>
+              <a:t> </a:t>
+            </a:r>
+          </a:p>
+          <a:p>
+            <a:r>
+              <a:rPr lang="he-IL" dirty="0"/>
+              <a:t>עיצוב- צבעים, לוגו ..</a:t>
+            </a:r>
+            <a:endParaRPr lang="en-IL" dirty="0"/>
+          </a:p>
+        </p:txBody>
+      </p:sp>
+      <p:sp>
+        <p:nvSpPr>
+          <p:cNvPr id="4" name="מציין מיקום של מספר שקופית 3"/>
+          <p:cNvSpPr>
+            <a:spLocks noGrp="1"/>
+          </p:cNvSpPr>
+          <p:nvPr>
+            <p:ph type="sldNum" sz="quarter" idx="5"/>
+          </p:nvPr>
+        </p:nvSpPr>
+        <p:spPr/>
+        <p:txBody>
+          <a:bodyPr/>
+          <a:lstStyle/>
+          <a:p>
+            <a:fld id="{AC779FFA-6099-4409-93C1-2C97DB6DC30D}" type="slidenum">
+              <a:rPr lang="en-IL" smtClean="0"/>
+              <a:t>10</a:t>
+            </a:fld>
+            <a:endParaRPr lang="en-IL"/>
+          </a:p>
+        </p:txBody>
+      </p:sp>
+    </p:spTree>
+    <p:extLst>
+      <p:ext uri="{BB962C8B-B14F-4D97-AF65-F5344CB8AC3E}">
+        <p14:creationId xmlns:p14="http://schemas.microsoft.com/office/powerpoint/2010/main" val="1302076540"/>
+      </p:ext>
+    </p:extLst>
+  </p:cSld>
+  <p:clrMapOvr>
+    <a:masterClrMapping/>
+  </p:clrMapOvr>
+</p:notes>
+</file>
+
+<file path=ppt/notesSlides/notesSlide11.xml><?xml version="1.0" encoding="utf-8"?>
+<p:notes xmlns:a="http://schemas.openxmlformats.org/drawingml/2006/main" xmlns:r="http://schemas.openxmlformats.org/officeDocument/2006/relationships" xmlns:p="http://schemas.openxmlformats.org/presentationml/2006/main">
+  <p:cSld>
+    <p:spTree>
+      <p:nvGrpSpPr>
+        <p:cNvPr id="1" name=""/>
+        <p:cNvGrpSpPr/>
+        <p:nvPr/>
+      </p:nvGrpSpPr>
+      <p:grpSpPr>
+        <a:xfrm>
+          <a:off x="0" y="0"/>
+          <a:ext cx="0" cy="0"/>
+          <a:chOff x="0" y="0"/>
+          <a:chExt cx="0" cy="0"/>
+        </a:xfrm>
+      </p:grpSpPr>
+      <p:sp>
+        <p:nvSpPr>
+          <p:cNvPr id="2" name="מציין מיקום של תמונת שקופית 1"/>
+          <p:cNvSpPr>
+            <a:spLocks noGrp="1" noRot="1" noChangeAspect="1"/>
+          </p:cNvSpPr>
+          <p:nvPr>
+            <p:ph type="sldImg"/>
+          </p:nvPr>
+        </p:nvSpPr>
+        <p:spPr/>
+      </p:sp>
+      <p:sp>
+        <p:nvSpPr>
+          <p:cNvPr id="3" name="מציין מיקום של הערות 2"/>
+          <p:cNvSpPr>
+            <a:spLocks noGrp="1"/>
+          </p:cNvSpPr>
+          <p:nvPr>
+            <p:ph type="body" idx="1"/>
+          </p:nvPr>
+        </p:nvSpPr>
+        <p:spPr/>
+        <p:txBody>
+          <a:bodyPr/>
+          <a:lstStyle/>
+          <a:p>
+            <a:pPr marL="0" marR="0" lvl="0" indent="0" algn="r" defTabSz="914400" rtl="1" eaLnBrk="1" fontAlgn="auto" latinLnBrk="0" hangingPunct="1">
+              <a:lnSpc>
+                <a:spcPct val="100000"/>
+              </a:lnSpc>
+              <a:spcBef>
+                <a:spcPts val="0"/>
+              </a:spcBef>
+              <a:spcAft>
+                <a:spcPts val="0"/>
+              </a:spcAft>
+              <a:buClrTx/>
+              <a:buSzTx/>
+              <a:buFontTx/>
+              <a:buNone/>
+              <a:tabLst/>
+              <a:defRPr/>
+            </a:pPr>
+            <a:r>
+              <a:rPr lang="he-IL" sz="1200" dirty="0"/>
+              <a:t>דימה</a:t>
+            </a:r>
+          </a:p>
+          <a:p>
+            <a:pPr marL="0" marR="0" lvl="0" indent="0" algn="r" defTabSz="914400" rtl="1" eaLnBrk="1" fontAlgn="auto" latinLnBrk="0" hangingPunct="1">
+              <a:lnSpc>
+                <a:spcPct val="100000"/>
+              </a:lnSpc>
+              <a:spcBef>
+                <a:spcPts val="0"/>
+              </a:spcBef>
+              <a:spcAft>
+                <a:spcPts val="0"/>
+              </a:spcAft>
+              <a:buClrTx/>
+              <a:buSzTx/>
+              <a:buFontTx/>
+              <a:buNone/>
+              <a:tabLst/>
+              <a:defRPr/>
+            </a:pPr>
+            <a:r>
+              <a:rPr lang="he-IL" sz="1200" dirty="0"/>
+              <a:t>החלטנו כי  כל חבר צוות יכול לקבל באופן עצמאי החלטות על תחום האחריות שלו ובכך בא לידי ביטוי מודל</a:t>
+            </a:r>
+            <a:r>
+              <a:rPr lang="en-US" sz="1200" dirty="0"/>
+              <a:t> </a:t>
+            </a:r>
+            <a:r>
+              <a:rPr lang="he-IL" sz="1200" dirty="0"/>
+              <a:t>ה-</a:t>
+            </a:r>
+            <a:r>
+              <a:rPr lang="en-US" sz="1200" dirty="0"/>
+              <a:t>EGOLESS</a:t>
+            </a:r>
+            <a:r>
+              <a:rPr lang="he-IL" sz="1200" dirty="0"/>
+              <a:t> , כל חברי הצוות שווים ולכל אחד יש את המקום להביע את רעיונותיו </a:t>
+            </a:r>
+          </a:p>
+          <a:p>
+            <a:endParaRPr lang="en-IL" b="1" dirty="0"/>
+          </a:p>
+        </p:txBody>
+      </p:sp>
+      <p:sp>
+        <p:nvSpPr>
+          <p:cNvPr id="4" name="מציין מיקום של מספר שקופית 3"/>
+          <p:cNvSpPr>
+            <a:spLocks noGrp="1"/>
+          </p:cNvSpPr>
+          <p:nvPr>
+            <p:ph type="sldNum" sz="quarter" idx="5"/>
+          </p:nvPr>
+        </p:nvSpPr>
+        <p:spPr/>
+        <p:txBody>
+          <a:bodyPr/>
+          <a:lstStyle/>
+          <a:p>
+            <a:fld id="{AC779FFA-6099-4409-93C1-2C97DB6DC30D}" type="slidenum">
+              <a:rPr lang="en-IL" smtClean="0"/>
+              <a:t>11</a:t>
+            </a:fld>
+            <a:endParaRPr lang="en-IL"/>
+          </a:p>
+        </p:txBody>
+      </p:sp>
+    </p:spTree>
+    <p:extLst>
+      <p:ext uri="{BB962C8B-B14F-4D97-AF65-F5344CB8AC3E}">
+        <p14:creationId xmlns:p14="http://schemas.microsoft.com/office/powerpoint/2010/main" val="3657108191"/>
+      </p:ext>
+    </p:extLst>
+  </p:cSld>
+  <p:clrMapOvr>
+    <a:masterClrMapping/>
+  </p:clrMapOvr>
+</p:notes>
+</file>
+
+<file path=ppt/notesSlides/notesSlide12.xml><?xml version="1.0" encoding="utf-8"?>
 <p:notes xmlns:a="http://schemas.openxmlformats.org/drawingml/2006/main" xmlns:r="http://schemas.openxmlformats.org/officeDocument/2006/relationships" xmlns:p="http://schemas.openxmlformats.org/presentationml/2006/main">
   <p:cSld>
     <p:spTree>
@@ -27912,7 +28236,7 @@
 </p:notes>
 </file>
 
-<file path=ppt/notesSlides/notesSlide11.xml><?xml version="1.0" encoding="utf-8"?>
+<file path=ppt/notesSlides/notesSlide13.xml><?xml version="1.0" encoding="utf-8"?>
 <p:notes xmlns:a="http://schemas.openxmlformats.org/drawingml/2006/main" xmlns:r="http://schemas.openxmlformats.org/officeDocument/2006/relationships" xmlns:p="http://schemas.openxmlformats.org/presentationml/2006/main">
   <p:cSld>
     <p:spTree>
@@ -27999,7 +28323,7 @@
 </p:notes>
 </file>
 
-<file path=ppt/notesSlides/notesSlide12.xml><?xml version="1.0" encoding="utf-8"?>
+<file path=ppt/notesSlides/notesSlide14.xml><?xml version="1.0" encoding="utf-8"?>
 <p:notes xmlns:a="http://schemas.openxmlformats.org/drawingml/2006/main" xmlns:r="http://schemas.openxmlformats.org/officeDocument/2006/relationships" xmlns:p="http://schemas.openxmlformats.org/presentationml/2006/main">
   <p:cSld>
     <p:spTree>
@@ -28108,7 +28432,7 @@
 </p:notes>
 </file>
 
-<file path=ppt/notesSlides/notesSlide13.xml><?xml version="1.0" encoding="utf-8"?>
+<file path=ppt/notesSlides/notesSlide15.xml><?xml version="1.0" encoding="utf-8"?>
 <p:notes xmlns:a="http://schemas.openxmlformats.org/drawingml/2006/main" xmlns:r="http://schemas.openxmlformats.org/officeDocument/2006/relationships" xmlns:p="http://schemas.openxmlformats.org/presentationml/2006/main">
   <p:cSld>
     <p:spTree>
@@ -28195,7 +28519,7 @@
 </p:notes>
 </file>
 
-<file path=ppt/notesSlides/notesSlide14.xml><?xml version="1.0" encoding="utf-8"?>
+<file path=ppt/notesSlides/notesSlide16.xml><?xml version="1.0" encoding="utf-8"?>
 <p:notes xmlns:a="http://schemas.openxmlformats.org/drawingml/2006/main" xmlns:r="http://schemas.openxmlformats.org/officeDocument/2006/relationships" xmlns:p="http://schemas.openxmlformats.org/presentationml/2006/main">
   <p:cSld>
     <p:spTree>
@@ -28328,8 +28652,947 @@
           <a:p>
             <a:r>
               <a:rPr lang="he-IL" dirty="0"/>
+              <a:t>אז נתחיל במטרות שלנו כצוות, </a:t>
+            </a:r>
+          </a:p>
+          <a:p>
+            <a:r>
+              <a:rPr lang="he-IL" dirty="0"/>
+              <a:t>אני חושבת שהמטרה העיקרית של כולנו היא בסופו של דבר לעמוד ביעדי </a:t>
+            </a:r>
+            <a:r>
+              <a:rPr lang="he-IL" dirty="0" err="1"/>
+              <a:t>הפרוייקט</a:t>
+            </a:r>
+            <a:r>
+              <a:rPr lang="he-IL" dirty="0"/>
+              <a:t>, לעמוד בזמנים ולסיים את הקורס עם ציון טוב. </a:t>
+            </a:r>
+          </a:p>
+          <a:p>
+            <a:pPr marL="0" marR="0" lvl="0" indent="0" algn="r" defTabSz="914400" rtl="1" eaLnBrk="1" fontAlgn="auto" latinLnBrk="0" hangingPunct="1">
+              <a:lnSpc>
+                <a:spcPct val="100000"/>
+              </a:lnSpc>
+              <a:spcBef>
+                <a:spcPts val="0"/>
+              </a:spcBef>
+              <a:spcAft>
+                <a:spcPts val="0"/>
+              </a:spcAft>
+              <a:buClrTx/>
+              <a:buSzTx/>
+              <a:buFontTx/>
+              <a:buNone/>
+              <a:tabLst/>
+              <a:defRPr/>
+            </a:pPr>
+            <a:r>
+              <a:rPr lang="he-IL" sz="1800" dirty="0">
+                <a:solidFill>
+                  <a:srgbClr val="000000"/>
+                </a:solidFill>
+                <a:effectLst/>
+                <a:latin typeface="Calibri" panose="020F0502020204030204" pitchFamily="34" charset="0"/>
+                <a:ea typeface="Times New Roman" panose="02020603050405020304" pitchFamily="18" charset="0"/>
+                <a:cs typeface="Calibri" panose="020F0502020204030204" pitchFamily="34" charset="0"/>
+              </a:rPr>
+              <a:t>אך זה לא בהכרח מהווה הצלחה, תקשורת טובה בין חברי הצוות, עבודה בשיתוף פעולה ועזרה הדדית חשובה לא פחות. </a:t>
+            </a:r>
+          </a:p>
+          <a:p>
+            <a:pPr marL="0" marR="0" lvl="0" indent="0" algn="r" defTabSz="914400" rtl="1" eaLnBrk="1" fontAlgn="auto" latinLnBrk="0" hangingPunct="1">
+              <a:lnSpc>
+                <a:spcPct val="100000"/>
+              </a:lnSpc>
+              <a:spcBef>
+                <a:spcPts val="0"/>
+              </a:spcBef>
+              <a:spcAft>
+                <a:spcPts val="0"/>
+              </a:spcAft>
+              <a:buClrTx/>
+              <a:buSzTx/>
+              <a:buFontTx/>
+              <a:buNone/>
+              <a:tabLst/>
+              <a:defRPr/>
+            </a:pPr>
+            <a:r>
+              <a:rPr lang="he-IL" sz="1800" dirty="0">
+                <a:solidFill>
+                  <a:srgbClr val="000000"/>
+                </a:solidFill>
+                <a:effectLst/>
+                <a:latin typeface="Calibri" panose="020F0502020204030204" pitchFamily="34" charset="0"/>
+                <a:cs typeface="Calibri" panose="020F0502020204030204" pitchFamily="34" charset="0"/>
+              </a:rPr>
+              <a:t>מהמקום שאנחנו נמצאים עכשיו אני יכולה להגיד שאנחנו </a:t>
+            </a:r>
+            <a:r>
+              <a:rPr lang="he-IL" sz="1800" dirty="0" err="1">
+                <a:solidFill>
+                  <a:srgbClr val="000000"/>
+                </a:solidFill>
+                <a:effectLst/>
+                <a:latin typeface="Calibri" panose="020F0502020204030204" pitchFamily="34" charset="0"/>
+                <a:cs typeface="Calibri" panose="020F0502020204030204" pitchFamily="34" charset="0"/>
+              </a:rPr>
+              <a:t>בנתיים</a:t>
+            </a:r>
+            <a:r>
+              <a:rPr lang="he-IL" sz="1800" dirty="0">
+                <a:solidFill>
+                  <a:srgbClr val="000000"/>
+                </a:solidFill>
+                <a:effectLst/>
+                <a:latin typeface="Calibri" panose="020F0502020204030204" pitchFamily="34" charset="0"/>
+                <a:cs typeface="Calibri" panose="020F0502020204030204" pitchFamily="34" charset="0"/>
+              </a:rPr>
+              <a:t> לגמרי עומדים במטרות שלנו ויש לנו אווירה טובה בצוות </a:t>
+            </a:r>
+            <a:r>
+              <a:rPr lang="he-IL" sz="1800" dirty="0">
+                <a:solidFill>
+                  <a:srgbClr val="000000"/>
+                </a:solidFill>
+                <a:effectLst/>
+                <a:latin typeface="Calibri" panose="020F0502020204030204" pitchFamily="34" charset="0"/>
+                <a:cs typeface="Calibri" panose="020F0502020204030204" pitchFamily="34" charset="0"/>
+                <a:sym typeface="Wingdings" panose="05000000000000000000" pitchFamily="2" charset="2"/>
+              </a:rPr>
+              <a:t></a:t>
+            </a:r>
+            <a:endParaRPr lang="he-IL" dirty="0"/>
+          </a:p>
+          <a:p>
+            <a:endParaRPr lang="he-IL" dirty="0"/>
+          </a:p>
+          <a:p>
+            <a:endParaRPr lang="he-IL" dirty="0"/>
+          </a:p>
+        </p:txBody>
+      </p:sp>
+      <p:sp>
+        <p:nvSpPr>
+          <p:cNvPr id="4" name="מציין מיקום של מספר שקופית 3"/>
+          <p:cNvSpPr>
+            <a:spLocks noGrp="1"/>
+          </p:cNvSpPr>
+          <p:nvPr>
+            <p:ph type="sldNum" sz="quarter" idx="5"/>
+          </p:nvPr>
+        </p:nvSpPr>
+        <p:spPr/>
+        <p:txBody>
+          <a:bodyPr/>
+          <a:lstStyle/>
+          <a:p>
+            <a:fld id="{AC779FFA-6099-4409-93C1-2C97DB6DC30D}" type="slidenum">
+              <a:rPr lang="en-IL" smtClean="0"/>
+              <a:t>2</a:t>
+            </a:fld>
+            <a:endParaRPr lang="en-IL"/>
+          </a:p>
+        </p:txBody>
+      </p:sp>
+    </p:spTree>
+    <p:extLst>
+      <p:ext uri="{BB962C8B-B14F-4D97-AF65-F5344CB8AC3E}">
+        <p14:creationId xmlns:p14="http://schemas.microsoft.com/office/powerpoint/2010/main" val="2794129011"/>
+      </p:ext>
+    </p:extLst>
+  </p:cSld>
+  <p:clrMapOvr>
+    <a:masterClrMapping/>
+  </p:clrMapOvr>
+</p:notes>
+</file>
+
+<file path=ppt/notesSlides/notesSlide3.xml><?xml version="1.0" encoding="utf-8"?>
+<p:notes xmlns:a="http://schemas.openxmlformats.org/drawingml/2006/main" xmlns:r="http://schemas.openxmlformats.org/officeDocument/2006/relationships" xmlns:p="http://schemas.openxmlformats.org/presentationml/2006/main">
+  <p:cSld>
+    <p:spTree>
+      <p:nvGrpSpPr>
+        <p:cNvPr id="1" name=""/>
+        <p:cNvGrpSpPr/>
+        <p:nvPr/>
+      </p:nvGrpSpPr>
+      <p:grpSpPr>
+        <a:xfrm>
+          <a:off x="0" y="0"/>
+          <a:ext cx="0" cy="0"/>
+          <a:chOff x="0" y="0"/>
+          <a:chExt cx="0" cy="0"/>
+        </a:xfrm>
+      </p:grpSpPr>
+      <p:sp>
+        <p:nvSpPr>
+          <p:cNvPr id="2" name="מציין מיקום של תמונת שקופית 1"/>
+          <p:cNvSpPr>
+            <a:spLocks noGrp="1" noRot="1" noChangeAspect="1"/>
+          </p:cNvSpPr>
+          <p:nvPr>
+            <p:ph type="sldImg"/>
+          </p:nvPr>
+        </p:nvSpPr>
+        <p:spPr/>
+      </p:sp>
+      <p:sp>
+        <p:nvSpPr>
+          <p:cNvPr id="3" name="מציין מיקום של הערות 2"/>
+          <p:cNvSpPr>
+            <a:spLocks noGrp="1"/>
+          </p:cNvSpPr>
+          <p:nvPr>
+            <p:ph type="body" idx="1"/>
+          </p:nvPr>
+        </p:nvSpPr>
+        <p:spPr/>
+        <p:txBody>
+          <a:bodyPr/>
+          <a:lstStyle/>
+          <a:p>
+            <a:r>
+              <a:rPr lang="he-IL" dirty="0"/>
               <a:t>ויטל</a:t>
             </a:r>
+          </a:p>
+          <a:p>
+            <a:r>
+              <a:rPr lang="he-IL" dirty="0"/>
+              <a:t>תהליך העבודה שלנו כצוות בנוי מ:</a:t>
+            </a:r>
+          </a:p>
+          <a:p>
+            <a:pPr marL="228600" indent="-228600">
+              <a:buAutoNum type="arabicPeriod"/>
+            </a:pPr>
+            <a:r>
+              <a:rPr lang="he-IL" dirty="0"/>
+              <a:t>הגדרת תפקידים- בעצם לכל חבר צוות היה תפקיד עיקרי ותחום אחריות משלו.</a:t>
+            </a:r>
+          </a:p>
+          <a:p>
+            <a:pPr marL="228600" indent="-228600">
+              <a:buAutoNum type="arabicPeriod"/>
+            </a:pPr>
+            <a:r>
+              <a:rPr lang="he-IL" dirty="0"/>
+              <a:t>בחירת מודל הצוות- בחרנו לעבוד במודל </a:t>
+            </a:r>
+            <a:r>
+              <a:rPr lang="he-IL" dirty="0" err="1"/>
+              <a:t>אגולס</a:t>
+            </a:r>
+            <a:r>
+              <a:rPr lang="he-IL" dirty="0"/>
+              <a:t> שעל כך </a:t>
+            </a:r>
+            <a:r>
+              <a:rPr lang="he-IL" dirty="0" err="1"/>
+              <a:t>לידור</a:t>
+            </a:r>
+            <a:r>
+              <a:rPr lang="he-IL" dirty="0"/>
+              <a:t> יפרט </a:t>
+            </a:r>
+            <a:r>
+              <a:rPr lang="he-IL" dirty="0" err="1"/>
+              <a:t>במהשך</a:t>
+            </a:r>
+            <a:r>
+              <a:rPr lang="he-IL" dirty="0"/>
+              <a:t>. </a:t>
+            </a:r>
+          </a:p>
+          <a:p>
+            <a:pPr marL="228600" indent="-228600">
+              <a:buAutoNum type="arabicPeriod"/>
+            </a:pPr>
+            <a:r>
+              <a:rPr lang="he-IL" dirty="0"/>
+              <a:t> ניהול משימות- במהלך העבודה שלנו על </a:t>
+            </a:r>
+            <a:r>
+              <a:rPr lang="he-IL" dirty="0" err="1"/>
+              <a:t>הפרוייקט</a:t>
+            </a:r>
+            <a:r>
+              <a:rPr lang="he-IL" dirty="0"/>
+              <a:t> ניהלנו משימות בצורות שונות ומספרינט לספרינט בעצם הבנו את הגישה שיותר נוחה ומתאימה לנו. </a:t>
+            </a:r>
+          </a:p>
+          <a:p>
+            <a:pPr marL="228600" indent="-228600">
+              <a:buAutoNum type="arabicPeriod"/>
+            </a:pPr>
+            <a:r>
+              <a:rPr lang="he-IL" dirty="0"/>
+              <a:t> קבלת החלטות- לכל אורך הדרך עלו החלטות וקונפליקטים בנושאים שונים בין אם מקצועיים ובין אם אישיים.</a:t>
+            </a:r>
+          </a:p>
+          <a:p>
+            <a:pPr marL="228600" indent="-228600">
+              <a:buAutoNum type="arabicPeriod"/>
+            </a:pPr>
+            <a:r>
+              <a:rPr lang="he-IL" dirty="0" err="1"/>
+              <a:t>מנגוני</a:t>
+            </a:r>
+            <a:r>
+              <a:rPr lang="he-IL" dirty="0"/>
+              <a:t> גיבוי ובקרה- תוך כדי תנועה דאגנו </a:t>
+            </a:r>
+            <a:r>
+              <a:rPr lang="he-IL" dirty="0" err="1"/>
+              <a:t>שהכל</a:t>
+            </a:r>
+            <a:r>
+              <a:rPr lang="he-IL" dirty="0"/>
+              <a:t> מתנהל כמו שצריך ושלא נמצא את עצמנו בלי כלום בדקה 90.</a:t>
+            </a:r>
+          </a:p>
+          <a:p>
+            <a:pPr marL="228600" indent="-228600">
+              <a:buAutoNum type="arabicPeriod"/>
+            </a:pPr>
+            <a:r>
+              <a:rPr lang="he-IL" dirty="0"/>
+              <a:t>ועל כל אלו נפרט בהמשך</a:t>
+            </a:r>
+          </a:p>
+        </p:txBody>
+      </p:sp>
+      <p:sp>
+        <p:nvSpPr>
+          <p:cNvPr id="4" name="מציין מיקום של מספר שקופית 3"/>
+          <p:cNvSpPr>
+            <a:spLocks noGrp="1"/>
+          </p:cNvSpPr>
+          <p:nvPr>
+            <p:ph type="sldNum" sz="quarter" idx="5"/>
+          </p:nvPr>
+        </p:nvSpPr>
+        <p:spPr/>
+        <p:txBody>
+          <a:bodyPr/>
+          <a:lstStyle/>
+          <a:p>
+            <a:fld id="{AC779FFA-6099-4409-93C1-2C97DB6DC30D}" type="slidenum">
+              <a:rPr lang="en-IL" smtClean="0"/>
+              <a:t>3</a:t>
+            </a:fld>
+            <a:endParaRPr lang="en-IL"/>
+          </a:p>
+        </p:txBody>
+      </p:sp>
+    </p:spTree>
+    <p:extLst>
+      <p:ext uri="{BB962C8B-B14F-4D97-AF65-F5344CB8AC3E}">
+        <p14:creationId xmlns:p14="http://schemas.microsoft.com/office/powerpoint/2010/main" val="2645203687"/>
+      </p:ext>
+    </p:extLst>
+  </p:cSld>
+  <p:clrMapOvr>
+    <a:masterClrMapping/>
+  </p:clrMapOvr>
+</p:notes>
+</file>
+
+<file path=ppt/notesSlides/notesSlide4.xml><?xml version="1.0" encoding="utf-8"?>
+<p:notes xmlns:a="http://schemas.openxmlformats.org/drawingml/2006/main" xmlns:r="http://schemas.openxmlformats.org/officeDocument/2006/relationships" xmlns:p="http://schemas.openxmlformats.org/presentationml/2006/main">
+  <p:cSld>
+    <p:spTree>
+      <p:nvGrpSpPr>
+        <p:cNvPr id="1" name=""/>
+        <p:cNvGrpSpPr/>
+        <p:nvPr/>
+      </p:nvGrpSpPr>
+      <p:grpSpPr>
+        <a:xfrm>
+          <a:off x="0" y="0"/>
+          <a:ext cx="0" cy="0"/>
+          <a:chOff x="0" y="0"/>
+          <a:chExt cx="0" cy="0"/>
+        </a:xfrm>
+      </p:grpSpPr>
+      <p:sp>
+        <p:nvSpPr>
+          <p:cNvPr id="2" name="מציין מיקום של תמונת שקופית 1"/>
+          <p:cNvSpPr>
+            <a:spLocks noGrp="1" noRot="1" noChangeAspect="1"/>
+          </p:cNvSpPr>
+          <p:nvPr>
+            <p:ph type="sldImg"/>
+          </p:nvPr>
+        </p:nvSpPr>
+        <p:spPr/>
+      </p:sp>
+      <p:sp>
+        <p:nvSpPr>
+          <p:cNvPr id="3" name="מציין מיקום של הערות 2"/>
+          <p:cNvSpPr>
+            <a:spLocks noGrp="1"/>
+          </p:cNvSpPr>
+          <p:nvPr>
+            <p:ph type="body" idx="1"/>
+          </p:nvPr>
+        </p:nvSpPr>
+        <p:spPr/>
+        <p:txBody>
+          <a:bodyPr/>
+          <a:lstStyle/>
+          <a:p>
+            <a:r>
+              <a:rPr lang="he-IL" dirty="0"/>
+              <a:t>ויטל</a:t>
+            </a:r>
+          </a:p>
+          <a:p>
+            <a:endParaRPr lang="he-IL" dirty="0"/>
+          </a:p>
+          <a:p>
+            <a:r>
+              <a:rPr lang="he-IL" dirty="0"/>
+              <a:t>אז בתחילת הדרך עוד שעשינו את משמך ההסכמות עשינו חלוקת תפקידים</a:t>
+            </a:r>
+          </a:p>
+          <a:p>
+            <a:pPr marL="0" marR="0" lvl="0" indent="0" algn="r" defTabSz="914400" rtl="1" eaLnBrk="1" fontAlgn="auto" latinLnBrk="0" hangingPunct="1">
+              <a:lnSpc>
+                <a:spcPct val="100000"/>
+              </a:lnSpc>
+              <a:spcBef>
+                <a:spcPts val="0"/>
+              </a:spcBef>
+              <a:spcAft>
+                <a:spcPts val="0"/>
+              </a:spcAft>
+              <a:buClrTx/>
+              <a:buSzTx/>
+              <a:buFontTx/>
+              <a:buNone/>
+              <a:tabLst/>
+              <a:defRPr/>
+            </a:pPr>
+            <a:r>
+              <a:rPr lang="he-IL" sz="1200" b="1" dirty="0" err="1">
+                <a:solidFill>
+                  <a:srgbClr val="000000"/>
+                </a:solidFill>
+                <a:effectLst/>
+                <a:latin typeface="Calibri" panose="020F0502020204030204" pitchFamily="34" charset="0"/>
+                <a:ea typeface="Times New Roman" panose="02020603050405020304" pitchFamily="18" charset="0"/>
+                <a:cs typeface="Calibri" panose="020F0502020204030204" pitchFamily="34" charset="0"/>
+              </a:rPr>
+              <a:t>לידור</a:t>
+            </a:r>
+            <a:r>
+              <a:rPr lang="he-IL" sz="1200" b="1" dirty="0">
+                <a:solidFill>
+                  <a:srgbClr val="000000"/>
+                </a:solidFill>
+                <a:effectLst/>
+                <a:latin typeface="Calibri" panose="020F0502020204030204" pitchFamily="34" charset="0"/>
+                <a:ea typeface="Times New Roman" panose="02020603050405020304" pitchFamily="18" charset="0"/>
+                <a:cs typeface="Calibri" panose="020F0502020204030204" pitchFamily="34" charset="0"/>
+              </a:rPr>
+              <a:t> </a:t>
+            </a:r>
+            <a:r>
+              <a:rPr lang="he-IL" sz="1200" dirty="0">
+                <a:solidFill>
+                  <a:srgbClr val="000000"/>
+                </a:solidFill>
+                <a:effectLst/>
+                <a:latin typeface="Calibri" panose="020F0502020204030204" pitchFamily="34" charset="0"/>
+                <a:ea typeface="Times New Roman" panose="02020603050405020304" pitchFamily="18" charset="0"/>
+                <a:cs typeface="Calibri" panose="020F0502020204030204" pitchFamily="34" charset="0"/>
+              </a:rPr>
+              <a:t>=  </a:t>
+            </a:r>
+            <a:r>
+              <a:rPr lang="en-US" sz="1200" dirty="0">
+                <a:solidFill>
+                  <a:srgbClr val="000000"/>
+                </a:solidFill>
+                <a:effectLst/>
+                <a:latin typeface="Calibri" panose="020F0502020204030204" pitchFamily="34" charset="0"/>
+                <a:ea typeface="Times New Roman" panose="02020603050405020304" pitchFamily="18" charset="0"/>
+                <a:cs typeface="Calibri" panose="020F0502020204030204" pitchFamily="34" charset="0"/>
+              </a:rPr>
+              <a:t>product owner</a:t>
+            </a:r>
+            <a:r>
+              <a:rPr lang="he-IL" sz="1200" dirty="0">
+                <a:solidFill>
+                  <a:srgbClr val="000000"/>
+                </a:solidFill>
+                <a:effectLst/>
+                <a:latin typeface="Calibri" panose="020F0502020204030204" pitchFamily="34" charset="0"/>
+                <a:ea typeface="Times New Roman" panose="02020603050405020304" pitchFamily="18" charset="0"/>
+                <a:cs typeface="Calibri" panose="020F0502020204030204" pitchFamily="34" charset="0"/>
+              </a:rPr>
+              <a:t> - אחראי חלוקת משימות בצוות. ובאמת כך היה, הוא שולח לנו קובץ מסודר עם המשימות </a:t>
+            </a:r>
+            <a:r>
+              <a:rPr lang="he-IL" sz="1200" dirty="0" err="1">
+                <a:solidFill>
+                  <a:srgbClr val="000000"/>
+                </a:solidFill>
+                <a:effectLst/>
+                <a:latin typeface="Calibri" panose="020F0502020204030204" pitchFamily="34" charset="0"/>
+                <a:ea typeface="Times New Roman" panose="02020603050405020304" pitchFamily="18" charset="0"/>
+                <a:cs typeface="Calibri" panose="020F0502020204030204" pitchFamily="34" charset="0"/>
+              </a:rPr>
+              <a:t>ודדליינים</a:t>
+            </a:r>
+            <a:r>
+              <a:rPr lang="he-IL" sz="1200" dirty="0">
+                <a:solidFill>
+                  <a:srgbClr val="000000"/>
+                </a:solidFill>
+                <a:effectLst/>
+                <a:latin typeface="Calibri" panose="020F0502020204030204" pitchFamily="34" charset="0"/>
+                <a:ea typeface="Times New Roman" panose="02020603050405020304" pitchFamily="18" charset="0"/>
+                <a:cs typeface="Calibri" panose="020F0502020204030204" pitchFamily="34" charset="0"/>
+              </a:rPr>
+              <a:t> וכל אחד משבץ את עצמו  </a:t>
+            </a:r>
+            <a:endParaRPr lang="en-US" sz="1200" dirty="0">
+              <a:effectLst/>
+              <a:latin typeface="Calibri" panose="020F0502020204030204" pitchFamily="34" charset="0"/>
+              <a:ea typeface="Calibri" panose="020F0502020204030204" pitchFamily="34" charset="0"/>
+              <a:cs typeface="Arial" panose="020B0604020202020204" pitchFamily="34" charset="0"/>
+            </a:endParaRPr>
+          </a:p>
+          <a:p>
+            <a:pPr marL="0" marR="0" lvl="0" indent="0" algn="r" defTabSz="914400" rtl="1" eaLnBrk="1" fontAlgn="auto" latinLnBrk="0" hangingPunct="1">
+              <a:lnSpc>
+                <a:spcPct val="100000"/>
+              </a:lnSpc>
+              <a:spcBef>
+                <a:spcPts val="0"/>
+              </a:spcBef>
+              <a:spcAft>
+                <a:spcPts val="0"/>
+              </a:spcAft>
+              <a:buClrTx/>
+              <a:buSzTx/>
+              <a:buFontTx/>
+              <a:buNone/>
+              <a:tabLst/>
+              <a:defRPr/>
+            </a:pPr>
+            <a:r>
+              <a:rPr lang="he-IL" sz="1200" b="1" dirty="0">
+                <a:solidFill>
+                  <a:srgbClr val="000000"/>
+                </a:solidFill>
+                <a:effectLst/>
+                <a:latin typeface="Calibri" panose="020F0502020204030204" pitchFamily="34" charset="0"/>
+                <a:ea typeface="Times New Roman" panose="02020603050405020304" pitchFamily="18" charset="0"/>
+                <a:cs typeface="Calibri" panose="020F0502020204030204" pitchFamily="34" charset="0"/>
+              </a:rPr>
+              <a:t>דוד </a:t>
+            </a:r>
+            <a:r>
+              <a:rPr lang="he-IL" sz="1200" dirty="0">
+                <a:solidFill>
+                  <a:srgbClr val="000000"/>
+                </a:solidFill>
+                <a:effectLst/>
+                <a:latin typeface="Calibri" panose="020F0502020204030204" pitchFamily="34" charset="0"/>
+                <a:ea typeface="Times New Roman" panose="02020603050405020304" pitchFamily="18" charset="0"/>
+                <a:cs typeface="Calibri" panose="020F0502020204030204" pitchFamily="34" charset="0"/>
+              </a:rPr>
+              <a:t>= אחראי לתיאום פגישות צוות, אחראי על איכות הפיתוח.</a:t>
+            </a:r>
+            <a:endParaRPr lang="en-US" sz="1200" dirty="0">
+              <a:effectLst/>
+              <a:latin typeface="Calibri" panose="020F0502020204030204" pitchFamily="34" charset="0"/>
+              <a:ea typeface="Calibri" panose="020F0502020204030204" pitchFamily="34" charset="0"/>
+              <a:cs typeface="Arial" panose="020B0604020202020204" pitchFamily="34" charset="0"/>
+            </a:endParaRPr>
+          </a:p>
+          <a:p>
+            <a:pPr marL="0" marR="0" lvl="0" indent="0" algn="r" defTabSz="914400" rtl="1" eaLnBrk="1" fontAlgn="auto" latinLnBrk="0" hangingPunct="1">
+              <a:lnSpc>
+                <a:spcPct val="100000"/>
+              </a:lnSpc>
+              <a:spcBef>
+                <a:spcPts val="0"/>
+              </a:spcBef>
+              <a:spcAft>
+                <a:spcPts val="0"/>
+              </a:spcAft>
+              <a:buClrTx/>
+              <a:buSzTx/>
+              <a:buFontTx/>
+              <a:buNone/>
+              <a:tabLst/>
+              <a:defRPr/>
+            </a:pPr>
+            <a:r>
+              <a:rPr lang="he-IL" sz="1200" b="1" dirty="0">
+                <a:solidFill>
+                  <a:srgbClr val="000000"/>
+                </a:solidFill>
+                <a:effectLst/>
+                <a:latin typeface="Calibri" panose="020F0502020204030204" pitchFamily="34" charset="0"/>
+                <a:ea typeface="Times New Roman" panose="02020603050405020304" pitchFamily="18" charset="0"/>
+                <a:cs typeface="Calibri" panose="020F0502020204030204" pitchFamily="34" charset="0"/>
+              </a:rPr>
+              <a:t>ויטל </a:t>
+            </a:r>
+            <a:r>
+              <a:rPr lang="he-IL" sz="1200" dirty="0">
+                <a:solidFill>
+                  <a:srgbClr val="000000"/>
+                </a:solidFill>
+                <a:effectLst/>
+                <a:latin typeface="Calibri" panose="020F0502020204030204" pitchFamily="34" charset="0"/>
+                <a:ea typeface="Times New Roman" panose="02020603050405020304" pitchFamily="18" charset="0"/>
+                <a:cs typeface="Calibri" panose="020F0502020204030204" pitchFamily="34" charset="0"/>
+              </a:rPr>
+              <a:t>=  אחראית לסדר וארגון, הן בקבצי ההגשה והן בארגון המשימות בפרויקט השוטף (</a:t>
+            </a:r>
+            <a:r>
+              <a:rPr lang="en-US" sz="1200" dirty="0">
+                <a:solidFill>
+                  <a:srgbClr val="000000"/>
+                </a:solidFill>
+                <a:effectLst/>
+                <a:latin typeface="Calibri" panose="020F0502020204030204" pitchFamily="34" charset="0"/>
+                <a:ea typeface="Times New Roman" panose="02020603050405020304" pitchFamily="18" charset="0"/>
+                <a:cs typeface="Calibri" panose="020F0502020204030204" pitchFamily="34" charset="0"/>
+              </a:rPr>
+              <a:t>backlog</a:t>
+            </a:r>
+            <a:r>
+              <a:rPr lang="he-IL" sz="1200" dirty="0">
+                <a:solidFill>
+                  <a:srgbClr val="000000"/>
+                </a:solidFill>
+                <a:effectLst/>
+                <a:latin typeface="Calibri" panose="020F0502020204030204" pitchFamily="34" charset="0"/>
+                <a:ea typeface="Times New Roman" panose="02020603050405020304" pitchFamily="18" charset="0"/>
+                <a:cs typeface="Calibri" panose="020F0502020204030204" pitchFamily="34" charset="0"/>
+              </a:rPr>
+              <a:t>). </a:t>
+            </a:r>
+          </a:p>
+          <a:p>
+            <a:pPr marL="0" marR="0" lvl="0" indent="0" algn="r" defTabSz="914400" rtl="1" eaLnBrk="1" fontAlgn="auto" latinLnBrk="0" hangingPunct="1">
+              <a:lnSpc>
+                <a:spcPct val="100000"/>
+              </a:lnSpc>
+              <a:spcBef>
+                <a:spcPts val="0"/>
+              </a:spcBef>
+              <a:spcAft>
+                <a:spcPts val="0"/>
+              </a:spcAft>
+              <a:buClrTx/>
+              <a:buSzTx/>
+              <a:buFontTx/>
+              <a:buNone/>
+              <a:tabLst/>
+              <a:defRPr/>
+            </a:pPr>
+            <a:r>
+              <a:rPr lang="he-IL" sz="1200" dirty="0">
+                <a:solidFill>
+                  <a:srgbClr val="000000"/>
+                </a:solidFill>
+                <a:effectLst/>
+                <a:latin typeface="Calibri" panose="020F0502020204030204" pitchFamily="34" charset="0"/>
+                <a:ea typeface="Times New Roman" panose="02020603050405020304" pitchFamily="18" charset="0"/>
+                <a:cs typeface="Calibri" panose="020F0502020204030204" pitchFamily="34" charset="0"/>
+              </a:rPr>
+              <a:t>חוץ </a:t>
+            </a:r>
+            <a:r>
+              <a:rPr lang="he-IL" sz="1200" dirty="0" err="1">
+                <a:solidFill>
+                  <a:srgbClr val="000000"/>
+                </a:solidFill>
+                <a:effectLst/>
+                <a:latin typeface="Calibri" panose="020F0502020204030204" pitchFamily="34" charset="0"/>
+                <a:ea typeface="Times New Roman" panose="02020603050405020304" pitchFamily="18" charset="0"/>
+                <a:cs typeface="Calibri" panose="020F0502020204030204" pitchFamily="34" charset="0"/>
+              </a:rPr>
+              <a:t>מיזה</a:t>
+            </a:r>
+            <a:r>
+              <a:rPr lang="he-IL" sz="1200" dirty="0">
+                <a:solidFill>
+                  <a:srgbClr val="000000"/>
+                </a:solidFill>
+                <a:effectLst/>
+                <a:latin typeface="Calibri" panose="020F0502020204030204" pitchFamily="34" charset="0"/>
+                <a:ea typeface="Times New Roman" panose="02020603050405020304" pitchFamily="18" charset="0"/>
+                <a:cs typeface="Calibri" panose="020F0502020204030204" pitchFamily="34" charset="0"/>
+              </a:rPr>
+              <a:t> אני גם הייתי על תקן המגשרת, כי צריך פה מישהו שיפריד... </a:t>
+            </a:r>
+            <a:endParaRPr lang="en-US" sz="1200" dirty="0">
+              <a:effectLst/>
+              <a:latin typeface="Calibri" panose="020F0502020204030204" pitchFamily="34" charset="0"/>
+              <a:ea typeface="Calibri" panose="020F0502020204030204" pitchFamily="34" charset="0"/>
+              <a:cs typeface="Arial" panose="020B0604020202020204" pitchFamily="34" charset="0"/>
+            </a:endParaRPr>
+          </a:p>
+          <a:p>
+            <a:pPr marL="0" marR="0" lvl="0" indent="0" algn="r" defTabSz="914400" rtl="1" eaLnBrk="1" fontAlgn="auto" latinLnBrk="0" hangingPunct="1">
+              <a:lnSpc>
+                <a:spcPct val="100000"/>
+              </a:lnSpc>
+              <a:spcBef>
+                <a:spcPts val="0"/>
+              </a:spcBef>
+              <a:spcAft>
+                <a:spcPts val="0"/>
+              </a:spcAft>
+              <a:buClrTx/>
+              <a:buSzTx/>
+              <a:buFontTx/>
+              <a:buNone/>
+              <a:tabLst/>
+              <a:defRPr/>
+            </a:pPr>
+            <a:r>
+              <a:rPr lang="he-IL" sz="1200" b="1" dirty="0">
+                <a:solidFill>
+                  <a:srgbClr val="000000"/>
+                </a:solidFill>
+                <a:effectLst/>
+                <a:latin typeface="Calibri" panose="020F0502020204030204" pitchFamily="34" charset="0"/>
+                <a:ea typeface="Times New Roman" panose="02020603050405020304" pitchFamily="18" charset="0"/>
+                <a:cs typeface="Calibri" panose="020F0502020204030204" pitchFamily="34" charset="0"/>
+              </a:rPr>
+              <a:t>נטע </a:t>
+            </a:r>
+            <a:r>
+              <a:rPr lang="he-IL" sz="1200" dirty="0">
+                <a:solidFill>
+                  <a:srgbClr val="000000"/>
+                </a:solidFill>
+                <a:effectLst/>
+                <a:latin typeface="Calibri" panose="020F0502020204030204" pitchFamily="34" charset="0"/>
+                <a:ea typeface="Times New Roman" panose="02020603050405020304" pitchFamily="18" charset="0"/>
+                <a:cs typeface="Calibri" panose="020F0502020204030204" pitchFamily="34" charset="0"/>
+              </a:rPr>
+              <a:t>= </a:t>
+            </a:r>
+            <a:r>
+              <a:rPr lang="en-US" sz="1200" dirty="0">
+                <a:solidFill>
+                  <a:srgbClr val="000000"/>
+                </a:solidFill>
+                <a:effectLst/>
+                <a:latin typeface="Calibri" panose="020F0502020204030204" pitchFamily="34" charset="0"/>
+                <a:ea typeface="Times New Roman" panose="02020603050405020304" pitchFamily="18" charset="0"/>
+                <a:cs typeface="Calibri" panose="020F0502020204030204" pitchFamily="34" charset="0"/>
+              </a:rPr>
+              <a:t>scrum master</a:t>
+            </a:r>
+            <a:r>
+              <a:rPr lang="he-IL" sz="1200" dirty="0">
+                <a:solidFill>
+                  <a:srgbClr val="000000"/>
+                </a:solidFill>
+                <a:effectLst/>
+                <a:latin typeface="Calibri" panose="020F0502020204030204" pitchFamily="34" charset="0"/>
+                <a:ea typeface="Times New Roman" panose="02020603050405020304" pitchFamily="18" charset="0"/>
+                <a:cs typeface="Calibri" panose="020F0502020204030204" pitchFamily="34" charset="0"/>
+              </a:rPr>
+              <a:t> - אחראית לתיאום פגישות בין חברי הפרויקט, ווידוא הצלחת המשימות (מבחינה מקצועית). בעצם היא הייתה מוודא בפגישה השבועית שכל אחד ביצע את </a:t>
+            </a:r>
+            <a:r>
+              <a:rPr lang="he-IL" sz="1200" dirty="0" err="1">
+                <a:solidFill>
+                  <a:srgbClr val="000000"/>
+                </a:solidFill>
+                <a:effectLst/>
+                <a:latin typeface="Calibri" panose="020F0502020204030204" pitchFamily="34" charset="0"/>
+                <a:ea typeface="Times New Roman" panose="02020603050405020304" pitchFamily="18" charset="0"/>
+                <a:cs typeface="Calibri" panose="020F0502020204030204" pitchFamily="34" charset="0"/>
+              </a:rPr>
+              <a:t>המישמות</a:t>
+            </a:r>
+            <a:r>
+              <a:rPr lang="he-IL" sz="1200" dirty="0">
+                <a:solidFill>
+                  <a:srgbClr val="000000"/>
+                </a:solidFill>
+                <a:effectLst/>
+                <a:latin typeface="Calibri" panose="020F0502020204030204" pitchFamily="34" charset="0"/>
+                <a:ea typeface="Times New Roman" panose="02020603050405020304" pitchFamily="18" charset="0"/>
+                <a:cs typeface="Calibri" panose="020F0502020204030204" pitchFamily="34" charset="0"/>
+              </a:rPr>
+              <a:t> שלו</a:t>
+            </a:r>
+            <a:endParaRPr lang="en-US" sz="1200" dirty="0">
+              <a:effectLst/>
+              <a:latin typeface="Calibri" panose="020F0502020204030204" pitchFamily="34" charset="0"/>
+              <a:ea typeface="Calibri" panose="020F0502020204030204" pitchFamily="34" charset="0"/>
+              <a:cs typeface="Arial" panose="020B0604020202020204" pitchFamily="34" charset="0"/>
+            </a:endParaRPr>
+          </a:p>
+          <a:p>
+            <a:pPr marL="0" marR="0" lvl="0" indent="0" algn="r" defTabSz="914400" rtl="1" eaLnBrk="1" fontAlgn="auto" latinLnBrk="0" hangingPunct="1">
+              <a:lnSpc>
+                <a:spcPct val="100000"/>
+              </a:lnSpc>
+              <a:spcBef>
+                <a:spcPts val="0"/>
+              </a:spcBef>
+              <a:spcAft>
+                <a:spcPts val="0"/>
+              </a:spcAft>
+              <a:buClrTx/>
+              <a:buSzTx/>
+              <a:buFontTx/>
+              <a:buNone/>
+              <a:tabLst/>
+              <a:defRPr/>
+            </a:pPr>
+            <a:r>
+              <a:rPr lang="he-IL" sz="1200" b="1" dirty="0">
+                <a:solidFill>
+                  <a:srgbClr val="000000"/>
+                </a:solidFill>
+                <a:effectLst/>
+                <a:latin typeface="Calibri" panose="020F0502020204030204" pitchFamily="34" charset="0"/>
+                <a:ea typeface="Times New Roman" panose="02020603050405020304" pitchFamily="18" charset="0"/>
+                <a:cs typeface="Calibri" panose="020F0502020204030204" pitchFamily="34" charset="0"/>
+              </a:rPr>
+              <a:t>דימה </a:t>
+            </a:r>
+            <a:r>
+              <a:rPr lang="he-IL" sz="1200" dirty="0">
+                <a:solidFill>
+                  <a:srgbClr val="000000"/>
+                </a:solidFill>
+                <a:effectLst/>
+                <a:latin typeface="Calibri" panose="020F0502020204030204" pitchFamily="34" charset="0"/>
+                <a:ea typeface="Times New Roman" panose="02020603050405020304" pitchFamily="18" charset="0"/>
+                <a:cs typeface="Calibri" panose="020F0502020204030204" pitchFamily="34" charset="0"/>
+              </a:rPr>
+              <a:t>=  אחראי על עמידה בזמנים של כל חברי הצוות לפגישות, על גיבוש הצוות שכולל בין היתר הזמנה לבית קפה שעוד לא קרתה.. וכן על הבאת ידע מקצועי מורחב ממקורות אחרים.</a:t>
+            </a:r>
+          </a:p>
+          <a:p>
+            <a:pPr marL="0" marR="0" lvl="0" indent="0" algn="r" defTabSz="914400" rtl="1" eaLnBrk="1" fontAlgn="auto" latinLnBrk="0" hangingPunct="1">
+              <a:lnSpc>
+                <a:spcPct val="100000"/>
+              </a:lnSpc>
+              <a:spcBef>
+                <a:spcPts val="0"/>
+              </a:spcBef>
+              <a:spcAft>
+                <a:spcPts val="0"/>
+              </a:spcAft>
+              <a:buClrTx/>
+              <a:buSzTx/>
+              <a:buFontTx/>
+              <a:buNone/>
+              <a:tabLst/>
+              <a:defRPr/>
+            </a:pPr>
+            <a:r>
+              <a:rPr lang="he-IL" sz="1200" dirty="0">
+                <a:solidFill>
+                  <a:srgbClr val="000000"/>
+                </a:solidFill>
+                <a:effectLst/>
+                <a:latin typeface="Calibri" panose="020F0502020204030204" pitchFamily="34" charset="0"/>
+                <a:ea typeface="Calibri" panose="020F0502020204030204" pitchFamily="34" charset="0"/>
+                <a:cs typeface="Calibri" panose="020F0502020204030204" pitchFamily="34" charset="0"/>
+              </a:rPr>
+              <a:t>בגדול עמדנו בתפקידים האלה כמובן שלכל אחד היו גם את המשימות האישיות שלו ותפקידים שהתווספו תוך כדי תנועה, לדוגמא ענייני העיצוב לגמרי בידיים של דימה ונטע </a:t>
+            </a:r>
+          </a:p>
+          <a:p>
+            <a:pPr marL="0" marR="0" lvl="0" indent="0" algn="r" defTabSz="914400" rtl="1" eaLnBrk="1" fontAlgn="auto" latinLnBrk="0" hangingPunct="1">
+              <a:lnSpc>
+                <a:spcPct val="100000"/>
+              </a:lnSpc>
+              <a:spcBef>
+                <a:spcPts val="0"/>
+              </a:spcBef>
+              <a:spcAft>
+                <a:spcPts val="0"/>
+              </a:spcAft>
+              <a:buClrTx/>
+              <a:buSzTx/>
+              <a:buFontTx/>
+              <a:buNone/>
+              <a:tabLst/>
+              <a:defRPr/>
+            </a:pPr>
+            <a:r>
+              <a:rPr lang="he-IL" sz="1200" dirty="0">
+                <a:solidFill>
+                  <a:srgbClr val="000000"/>
+                </a:solidFill>
+                <a:effectLst/>
+                <a:latin typeface="Calibri" panose="020F0502020204030204" pitchFamily="34" charset="0"/>
+                <a:ea typeface="Calibri" panose="020F0502020204030204" pitchFamily="34" charset="0"/>
+                <a:cs typeface="Calibri" panose="020F0502020204030204" pitchFamily="34" charset="0"/>
+              </a:rPr>
+              <a:t>ומכאן </a:t>
+            </a:r>
+            <a:r>
+              <a:rPr lang="he-IL" sz="1200" dirty="0" err="1">
+                <a:solidFill>
+                  <a:srgbClr val="000000"/>
+                </a:solidFill>
+                <a:effectLst/>
+                <a:latin typeface="Calibri" panose="020F0502020204030204" pitchFamily="34" charset="0"/>
+                <a:ea typeface="Calibri" panose="020F0502020204030204" pitchFamily="34" charset="0"/>
+                <a:cs typeface="Calibri" panose="020F0502020204030204" pitchFamily="34" charset="0"/>
+              </a:rPr>
+              <a:t>לידור</a:t>
+            </a:r>
+            <a:r>
+              <a:rPr lang="he-IL" sz="1200" dirty="0">
+                <a:solidFill>
+                  <a:srgbClr val="000000"/>
+                </a:solidFill>
+                <a:effectLst/>
+                <a:latin typeface="Calibri" panose="020F0502020204030204" pitchFamily="34" charset="0"/>
+                <a:ea typeface="Calibri" panose="020F0502020204030204" pitchFamily="34" charset="0"/>
+                <a:cs typeface="Calibri" panose="020F0502020204030204" pitchFamily="34" charset="0"/>
+              </a:rPr>
+              <a:t> </a:t>
+            </a:r>
+            <a:r>
+              <a:rPr lang="he-IL" sz="1200">
+                <a:solidFill>
+                  <a:srgbClr val="000000"/>
+                </a:solidFill>
+                <a:effectLst/>
+                <a:latin typeface="Calibri" panose="020F0502020204030204" pitchFamily="34" charset="0"/>
+                <a:ea typeface="Calibri" panose="020F0502020204030204" pitchFamily="34" charset="0"/>
+                <a:cs typeface="Calibri" panose="020F0502020204030204" pitchFamily="34" charset="0"/>
+              </a:rPr>
+              <a:t>ימשיך אותי</a:t>
+            </a:r>
+            <a:endParaRPr lang="en-US" sz="1200" dirty="0">
+              <a:effectLst/>
+              <a:latin typeface="Calibri" panose="020F0502020204030204" pitchFamily="34" charset="0"/>
+              <a:ea typeface="Calibri" panose="020F0502020204030204" pitchFamily="34" charset="0"/>
+              <a:cs typeface="Arial" panose="020B0604020202020204" pitchFamily="34" charset="0"/>
+            </a:endParaRPr>
+          </a:p>
+          <a:p>
+            <a:endParaRPr lang="he-IL" dirty="0"/>
+          </a:p>
+          <a:p>
+            <a:endParaRPr lang="he-IL" dirty="0"/>
           </a:p>
         </p:txBody>
       </p:sp>
@@ -28369,7 +29632,7 @@
 </p:notes>
 </file>
 
-<file path=ppt/notesSlides/notesSlide3.xml><?xml version="1.0" encoding="utf-8"?>
+<file path=ppt/notesSlides/notesSlide5.xml><?xml version="1.0" encoding="utf-8"?>
 <p:notes xmlns:a="http://schemas.openxmlformats.org/drawingml/2006/main" xmlns:r="http://schemas.openxmlformats.org/officeDocument/2006/relationships" xmlns:p="http://schemas.openxmlformats.org/presentationml/2006/main">
   <p:cSld>
     <p:spTree>
@@ -28457,7 +29720,7 @@
 </p:notes>
 </file>
 
-<file path=ppt/notesSlides/notesSlide4.xml><?xml version="1.0" encoding="utf-8"?>
+<file path=ppt/notesSlides/notesSlide6.xml><?xml version="1.0" encoding="utf-8"?>
 <p:notes xmlns:a="http://schemas.openxmlformats.org/drawingml/2006/main" xmlns:r="http://schemas.openxmlformats.org/officeDocument/2006/relationships" xmlns:p="http://schemas.openxmlformats.org/presentationml/2006/main">
   <p:cSld>
     <p:spTree>
@@ -28545,7 +29808,7 @@
 </p:notes>
 </file>
 
-<file path=ppt/notesSlides/notesSlide5.xml><?xml version="1.0" encoding="utf-8"?>
+<file path=ppt/notesSlides/notesSlide7.xml><?xml version="1.0" encoding="utf-8"?>
 <p:notes xmlns:a="http://schemas.openxmlformats.org/drawingml/2006/main" xmlns:r="http://schemas.openxmlformats.org/officeDocument/2006/relationships" xmlns:p="http://schemas.openxmlformats.org/presentationml/2006/main">
   <p:cSld>
     <p:spTree>
@@ -28633,7 +29896,7 @@
 </p:notes>
 </file>
 
-<file path=ppt/notesSlides/notesSlide6.xml><?xml version="1.0" encoding="utf-8"?>
+<file path=ppt/notesSlides/notesSlide8.xml><?xml version="1.0" encoding="utf-8"?>
 <p:notes xmlns:a="http://schemas.openxmlformats.org/drawingml/2006/main" xmlns:r="http://schemas.openxmlformats.org/officeDocument/2006/relationships" xmlns:p="http://schemas.openxmlformats.org/presentationml/2006/main">
   <p:cSld>
     <p:spTree>
@@ -28720,7 +29983,7 @@
 </p:notes>
 </file>
 
-<file path=ppt/notesSlides/notesSlide7.xml><?xml version="1.0" encoding="utf-8"?>
+<file path=ppt/notesSlides/notesSlide9.xml><?xml version="1.0" encoding="utf-8"?>
 <p:notes xmlns:a="http://schemas.openxmlformats.org/drawingml/2006/main" xmlns:r="http://schemas.openxmlformats.org/officeDocument/2006/relationships" xmlns:p="http://schemas.openxmlformats.org/presentationml/2006/main">
   <p:cSld>
     <p:spTree>
@@ -28838,266 +30101,6 @@
     <p:extLst>
       <p:ext uri="{BB962C8B-B14F-4D97-AF65-F5344CB8AC3E}">
         <p14:creationId xmlns:p14="http://schemas.microsoft.com/office/powerpoint/2010/main" val="2122098448"/>
-      </p:ext>
-    </p:extLst>
-  </p:cSld>
-  <p:clrMapOvr>
-    <a:masterClrMapping/>
-  </p:clrMapOvr>
-</p:notes>
-</file>
-
-<file path=ppt/notesSlides/notesSlide8.xml><?xml version="1.0" encoding="utf-8"?>
-<p:notes xmlns:a="http://schemas.openxmlformats.org/drawingml/2006/main" xmlns:r="http://schemas.openxmlformats.org/officeDocument/2006/relationships" xmlns:p="http://schemas.openxmlformats.org/presentationml/2006/main">
-  <p:cSld>
-    <p:spTree>
-      <p:nvGrpSpPr>
-        <p:cNvPr id="1" name=""/>
-        <p:cNvGrpSpPr/>
-        <p:nvPr/>
-      </p:nvGrpSpPr>
-      <p:grpSpPr>
-        <a:xfrm>
-          <a:off x="0" y="0"/>
-          <a:ext cx="0" cy="0"/>
-          <a:chOff x="0" y="0"/>
-          <a:chExt cx="0" cy="0"/>
-        </a:xfrm>
-      </p:grpSpPr>
-      <p:sp>
-        <p:nvSpPr>
-          <p:cNvPr id="2" name="מציין מיקום של תמונת שקופית 1"/>
-          <p:cNvSpPr>
-            <a:spLocks noGrp="1" noRot="1" noChangeAspect="1"/>
-          </p:cNvSpPr>
-          <p:nvPr>
-            <p:ph type="sldImg"/>
-          </p:nvPr>
-        </p:nvSpPr>
-        <p:spPr/>
-      </p:sp>
-      <p:sp>
-        <p:nvSpPr>
-          <p:cNvPr id="3" name="מציין מיקום של הערות 2"/>
-          <p:cNvSpPr>
-            <a:spLocks noGrp="1"/>
-          </p:cNvSpPr>
-          <p:nvPr>
-            <p:ph type="body" idx="1"/>
-          </p:nvPr>
-        </p:nvSpPr>
-        <p:spPr/>
-        <p:txBody>
-          <a:bodyPr/>
-          <a:lstStyle/>
-          <a:p>
-            <a:r>
-              <a:rPr lang="he-IL" dirty="0"/>
-              <a:t>דימה</a:t>
-            </a:r>
-          </a:p>
-          <a:p>
-            <a:r>
-              <a:rPr lang="he-IL" dirty="0"/>
-              <a:t>איך יראו חלק מהמסכים / עיצוב ממשק</a:t>
-            </a:r>
-          </a:p>
-          <a:p>
-            <a:r>
-              <a:rPr lang="he-IL" dirty="0"/>
-              <a:t>תכנון- </a:t>
-            </a:r>
-            <a:r>
-              <a:rPr lang="he-IL" dirty="0" err="1"/>
-              <a:t>פאקג'ים</a:t>
-            </a:r>
-            <a:r>
-              <a:rPr lang="he-IL" dirty="0"/>
-              <a:t> </a:t>
-            </a:r>
-          </a:p>
-          <a:p>
-            <a:r>
-              <a:rPr lang="he-IL" dirty="0"/>
-              <a:t>עיצוב- צבעים, לוגו ..</a:t>
-            </a:r>
-            <a:endParaRPr lang="en-IL" dirty="0"/>
-          </a:p>
-        </p:txBody>
-      </p:sp>
-      <p:sp>
-        <p:nvSpPr>
-          <p:cNvPr id="4" name="מציין מיקום של מספר שקופית 3"/>
-          <p:cNvSpPr>
-            <a:spLocks noGrp="1"/>
-          </p:cNvSpPr>
-          <p:nvPr>
-            <p:ph type="sldNum" sz="quarter" idx="5"/>
-          </p:nvPr>
-        </p:nvSpPr>
-        <p:spPr/>
-        <p:txBody>
-          <a:bodyPr/>
-          <a:lstStyle/>
-          <a:p>
-            <a:fld id="{AC779FFA-6099-4409-93C1-2C97DB6DC30D}" type="slidenum">
-              <a:rPr lang="en-IL" smtClean="0"/>
-              <a:t>10</a:t>
-            </a:fld>
-            <a:endParaRPr lang="en-IL"/>
-          </a:p>
-        </p:txBody>
-      </p:sp>
-    </p:spTree>
-    <p:extLst>
-      <p:ext uri="{BB962C8B-B14F-4D97-AF65-F5344CB8AC3E}">
-        <p14:creationId xmlns:p14="http://schemas.microsoft.com/office/powerpoint/2010/main" val="1302076540"/>
-      </p:ext>
-    </p:extLst>
-  </p:cSld>
-  <p:clrMapOvr>
-    <a:masterClrMapping/>
-  </p:clrMapOvr>
-</p:notes>
-</file>
-
-<file path=ppt/notesSlides/notesSlide9.xml><?xml version="1.0" encoding="utf-8"?>
-<p:notes xmlns:a="http://schemas.openxmlformats.org/drawingml/2006/main" xmlns:r="http://schemas.openxmlformats.org/officeDocument/2006/relationships" xmlns:p="http://schemas.openxmlformats.org/presentationml/2006/main">
-  <p:cSld>
-    <p:spTree>
-      <p:nvGrpSpPr>
-        <p:cNvPr id="1" name=""/>
-        <p:cNvGrpSpPr/>
-        <p:nvPr/>
-      </p:nvGrpSpPr>
-      <p:grpSpPr>
-        <a:xfrm>
-          <a:off x="0" y="0"/>
-          <a:ext cx="0" cy="0"/>
-          <a:chOff x="0" y="0"/>
-          <a:chExt cx="0" cy="0"/>
-        </a:xfrm>
-      </p:grpSpPr>
-      <p:sp>
-        <p:nvSpPr>
-          <p:cNvPr id="2" name="מציין מיקום של תמונת שקופית 1"/>
-          <p:cNvSpPr>
-            <a:spLocks noGrp="1" noRot="1" noChangeAspect="1"/>
-          </p:cNvSpPr>
-          <p:nvPr>
-            <p:ph type="sldImg"/>
-          </p:nvPr>
-        </p:nvSpPr>
-        <p:spPr/>
-      </p:sp>
-      <p:sp>
-        <p:nvSpPr>
-          <p:cNvPr id="3" name="מציין מיקום של הערות 2"/>
-          <p:cNvSpPr>
-            <a:spLocks noGrp="1"/>
-          </p:cNvSpPr>
-          <p:nvPr>
-            <p:ph type="body" idx="1"/>
-          </p:nvPr>
-        </p:nvSpPr>
-        <p:spPr/>
-        <p:txBody>
-          <a:bodyPr/>
-          <a:lstStyle/>
-          <a:p>
-            <a:pPr marL="0" marR="0" lvl="0" indent="0" algn="r" defTabSz="914400" rtl="1" eaLnBrk="1" fontAlgn="auto" latinLnBrk="0" hangingPunct="1">
-              <a:lnSpc>
-                <a:spcPct val="100000"/>
-              </a:lnSpc>
-              <a:spcBef>
-                <a:spcPts val="0"/>
-              </a:spcBef>
-              <a:spcAft>
-                <a:spcPts val="0"/>
-              </a:spcAft>
-              <a:buClrTx/>
-              <a:buSzTx/>
-              <a:buFontTx/>
-              <a:buNone/>
-              <a:tabLst/>
-              <a:defRPr/>
-            </a:pPr>
-            <a:r>
-              <a:rPr lang="he-IL" sz="1200" dirty="0"/>
-              <a:t>דימה</a:t>
-            </a:r>
-          </a:p>
-          <a:p>
-            <a:pPr marL="0" marR="0" lvl="0" indent="0" algn="r" defTabSz="914400" rtl="1" eaLnBrk="1" fontAlgn="auto" latinLnBrk="0" hangingPunct="1">
-              <a:lnSpc>
-                <a:spcPct val="100000"/>
-              </a:lnSpc>
-              <a:spcBef>
-                <a:spcPts val="0"/>
-              </a:spcBef>
-              <a:spcAft>
-                <a:spcPts val="0"/>
-              </a:spcAft>
-              <a:buClrTx/>
-              <a:buSzTx/>
-              <a:buFontTx/>
-              <a:buNone/>
-              <a:tabLst/>
-              <a:defRPr/>
-            </a:pPr>
-            <a:r>
-              <a:rPr lang="he-IL" sz="1200" dirty="0"/>
-              <a:t>החלטנו כי  כל חבר צוות יכול לקבל באופן עצמאי החלטות על תחום האחריות שלו ובכך בא לידי ביטוי מודל</a:t>
-            </a:r>
-            <a:r>
-              <a:rPr lang="en-US" sz="1200" dirty="0"/>
-              <a:t> </a:t>
-            </a:r>
-            <a:r>
-              <a:rPr lang="he-IL" sz="1200" dirty="0"/>
-              <a:t>ה-</a:t>
-            </a:r>
-            <a:r>
-              <a:rPr lang="en-US" sz="1200" dirty="0"/>
-              <a:t>EGOLESS</a:t>
-            </a:r>
-            <a:r>
-              <a:rPr lang="he-IL" sz="1200" dirty="0"/>
-              <a:t> , כל חברי הצוות שווים ולכל אחד יש את המקום להביע את רעיונותיו </a:t>
-            </a:r>
-          </a:p>
-          <a:p>
-            <a:endParaRPr lang="en-IL" b="1" dirty="0"/>
-          </a:p>
-        </p:txBody>
-      </p:sp>
-      <p:sp>
-        <p:nvSpPr>
-          <p:cNvPr id="4" name="מציין מיקום של מספר שקופית 3"/>
-          <p:cNvSpPr>
-            <a:spLocks noGrp="1"/>
-          </p:cNvSpPr>
-          <p:nvPr>
-            <p:ph type="sldNum" sz="quarter" idx="5"/>
-          </p:nvPr>
-        </p:nvSpPr>
-        <p:spPr/>
-        <p:txBody>
-          <a:bodyPr/>
-          <a:lstStyle/>
-          <a:p>
-            <a:fld id="{AC779FFA-6099-4409-93C1-2C97DB6DC30D}" type="slidenum">
-              <a:rPr lang="en-IL" smtClean="0"/>
-              <a:t>11</a:t>
-            </a:fld>
-            <a:endParaRPr lang="en-IL"/>
-          </a:p>
-        </p:txBody>
-      </p:sp>
-    </p:spTree>
-    <p:extLst>
-      <p:ext uri="{BB962C8B-B14F-4D97-AF65-F5344CB8AC3E}">
-        <p14:creationId xmlns:p14="http://schemas.microsoft.com/office/powerpoint/2010/main" val="3657108191"/>
       </p:ext>
     </p:extLst>
   </p:cSld>
@@ -29262,7 +30265,7 @@
           <a:p>
             <a:fld id="{2682C6C2-0339-4539-AF62-ED1117E8488A}" type="datetimeFigureOut">
               <a:rPr lang="en-IL" smtClean="0"/>
-              <a:t>01/08/2023</a:t>
+              <a:t>01/09/2023</a:t>
             </a:fld>
             <a:endParaRPr lang="en-IL"/>
           </a:p>
@@ -29432,7 +30435,7 @@
           <a:p>
             <a:fld id="{2682C6C2-0339-4539-AF62-ED1117E8488A}" type="datetimeFigureOut">
               <a:rPr lang="en-IL" smtClean="0"/>
-              <a:t>01/08/2023</a:t>
+              <a:t>01/09/2023</a:t>
             </a:fld>
             <a:endParaRPr lang="en-IL"/>
           </a:p>
@@ -29612,7 +30615,7 @@
           <a:p>
             <a:fld id="{2682C6C2-0339-4539-AF62-ED1117E8488A}" type="datetimeFigureOut">
               <a:rPr lang="en-IL" smtClean="0"/>
-              <a:t>01/08/2023</a:t>
+              <a:t>01/09/2023</a:t>
             </a:fld>
             <a:endParaRPr lang="en-IL"/>
           </a:p>
@@ -29782,7 +30785,7 @@
           <a:p>
             <a:fld id="{2682C6C2-0339-4539-AF62-ED1117E8488A}" type="datetimeFigureOut">
               <a:rPr lang="en-IL" smtClean="0"/>
-              <a:t>01/08/2023</a:t>
+              <a:t>01/09/2023</a:t>
             </a:fld>
             <a:endParaRPr lang="en-IL"/>
           </a:p>
@@ -30042,7 +31045,7 @@
           <a:p>
             <a:fld id="{2682C6C2-0339-4539-AF62-ED1117E8488A}" type="datetimeFigureOut">
               <a:rPr lang="en-IL" smtClean="0"/>
-              <a:t>01/08/2023</a:t>
+              <a:t>01/09/2023</a:t>
             </a:fld>
             <a:endParaRPr lang="en-IL"/>
           </a:p>
@@ -30274,7 +31277,7 @@
           <a:p>
             <a:fld id="{2682C6C2-0339-4539-AF62-ED1117E8488A}" type="datetimeFigureOut">
               <a:rPr lang="en-IL" smtClean="0"/>
-              <a:t>01/08/2023</a:t>
+              <a:t>01/09/2023</a:t>
             </a:fld>
             <a:endParaRPr lang="en-IL"/>
           </a:p>
@@ -30633,7 +31636,7 @@
           <a:p>
             <a:fld id="{2682C6C2-0339-4539-AF62-ED1117E8488A}" type="datetimeFigureOut">
               <a:rPr lang="en-IL" smtClean="0"/>
-              <a:t>01/08/2023</a:t>
+              <a:t>01/09/2023</a:t>
             </a:fld>
             <a:endParaRPr lang="en-IL"/>
           </a:p>
@@ -30774,7 +31777,7 @@
           <a:p>
             <a:fld id="{2682C6C2-0339-4539-AF62-ED1117E8488A}" type="datetimeFigureOut">
               <a:rPr lang="en-IL" smtClean="0"/>
-              <a:t>01/08/2023</a:t>
+              <a:t>01/09/2023</a:t>
             </a:fld>
             <a:endParaRPr lang="en-IL"/>
           </a:p>
@@ -30869,7 +31872,7 @@
           <a:p>
             <a:fld id="{2682C6C2-0339-4539-AF62-ED1117E8488A}" type="datetimeFigureOut">
               <a:rPr lang="en-IL" smtClean="0"/>
-              <a:t>01/08/2023</a:t>
+              <a:t>01/09/2023</a:t>
             </a:fld>
             <a:endParaRPr lang="en-IL"/>
           </a:p>
@@ -31226,7 +32229,7 @@
           <a:p>
             <a:fld id="{2682C6C2-0339-4539-AF62-ED1117E8488A}" type="datetimeFigureOut">
               <a:rPr lang="en-IL" smtClean="0"/>
-              <a:t>01/08/2023</a:t>
+              <a:t>01/09/2023</a:t>
             </a:fld>
             <a:endParaRPr lang="en-IL"/>
           </a:p>
@@ -31583,7 +32586,7 @@
           <a:p>
             <a:fld id="{2682C6C2-0339-4539-AF62-ED1117E8488A}" type="datetimeFigureOut">
               <a:rPr lang="en-IL" smtClean="0"/>
-              <a:t>01/08/2023</a:t>
+              <a:t>01/09/2023</a:t>
             </a:fld>
             <a:endParaRPr lang="en-IL"/>
           </a:p>
@@ -31828,7 +32831,7 @@
           <a:p>
             <a:fld id="{2682C6C2-0339-4539-AF62-ED1117E8488A}" type="datetimeFigureOut">
               <a:rPr lang="en-IL" smtClean="0"/>
-              <a:t>01/08/2023</a:t>
+              <a:t>01/09/2023</a:t>
             </a:fld>
             <a:endParaRPr lang="en-IL"/>
           </a:p>
@@ -35230,7 +36233,7 @@
         </p:xfrm>
         <a:graphic>
           <a:graphicData uri="http://schemas.openxmlformats.org/drawingml/2006/diagram">
-            <dgm:relIds xmlns:dgm="http://schemas.openxmlformats.org/drawingml/2006/diagram" xmlns:r="http://schemas.openxmlformats.org/officeDocument/2006/relationships" r:dm="rId2" r:lo="rId3" r:qs="rId4" r:cs="rId5"/>
+            <dgm:relIds xmlns:dgm="http://schemas.openxmlformats.org/drawingml/2006/diagram" xmlns:r="http://schemas.openxmlformats.org/officeDocument/2006/relationships" r:dm="rId3" r:lo="rId4" r:qs="rId5" r:cs="rId6"/>
           </a:graphicData>
         </a:graphic>
       </p:graphicFrame>
@@ -35249,13 +36252,13 @@
           <p:nvPr/>
         </p:nvPicPr>
         <p:blipFill>
-          <a:blip r:embed="rId7">
+          <a:blip r:embed="rId8">
             <a:extLst>
               <a:ext uri="{28A0092B-C50C-407E-A947-70E740481C1C}">
                 <a14:useLocalDpi xmlns:a14="http://schemas.microsoft.com/office/drawing/2010/main" val="0"/>
               </a:ext>
               <a:ext uri="{96DAC541-7B7A-43D3-8B79-37D633B846F1}">
-                <asvg:svgBlip xmlns:asvg="http://schemas.microsoft.com/office/drawing/2016/SVG/main" r:embed="rId8"/>
+                <asvg:svgBlip xmlns:asvg="http://schemas.microsoft.com/office/drawing/2016/SVG/main" r:embed="rId9"/>
               </a:ext>
             </a:extLst>
           </a:blip>
@@ -35288,13 +36291,13 @@
           <p:nvPr/>
         </p:nvPicPr>
         <p:blipFill>
-          <a:blip r:embed="rId9">
+          <a:blip r:embed="rId10">
             <a:extLst>
               <a:ext uri="{28A0092B-C50C-407E-A947-70E740481C1C}">
                 <a14:useLocalDpi xmlns:a14="http://schemas.microsoft.com/office/drawing/2010/main" val="0"/>
               </a:ext>
               <a:ext uri="{96DAC541-7B7A-43D3-8B79-37D633B846F1}">
-                <asvg:svgBlip xmlns:asvg="http://schemas.microsoft.com/office/drawing/2016/SVG/main" r:embed="rId10"/>
+                <asvg:svgBlip xmlns:asvg="http://schemas.microsoft.com/office/drawing/2016/SVG/main" r:embed="rId11"/>
               </a:ext>
             </a:extLst>
           </a:blip>
@@ -35327,13 +36330,13 @@
           <p:nvPr/>
         </p:nvPicPr>
         <p:blipFill>
-          <a:blip r:embed="rId11">
+          <a:blip r:embed="rId12">
             <a:extLst>
               <a:ext uri="{28A0092B-C50C-407E-A947-70E740481C1C}">
                 <a14:useLocalDpi xmlns:a14="http://schemas.microsoft.com/office/drawing/2010/main" val="0"/>
               </a:ext>
               <a:ext uri="{96DAC541-7B7A-43D3-8B79-37D633B846F1}">
-                <asvg:svgBlip xmlns:asvg="http://schemas.microsoft.com/office/drawing/2016/SVG/main" r:embed="rId12"/>
+                <asvg:svgBlip xmlns:asvg="http://schemas.microsoft.com/office/drawing/2016/SVG/main" r:embed="rId13"/>
               </a:ext>
             </a:extLst>
           </a:blip>
@@ -35366,13 +36369,13 @@
           <p:nvPr/>
         </p:nvPicPr>
         <p:blipFill>
-          <a:blip r:embed="rId13">
+          <a:blip r:embed="rId14">
             <a:extLst>
               <a:ext uri="{28A0092B-C50C-407E-A947-70E740481C1C}">
                 <a14:useLocalDpi xmlns:a14="http://schemas.microsoft.com/office/drawing/2010/main" val="0"/>
               </a:ext>
               <a:ext uri="{96DAC541-7B7A-43D3-8B79-37D633B846F1}">
-                <asvg:svgBlip xmlns:asvg="http://schemas.microsoft.com/office/drawing/2016/SVG/main" r:embed="rId14"/>
+                <asvg:svgBlip xmlns:asvg="http://schemas.microsoft.com/office/drawing/2016/SVG/main" r:embed="rId15"/>
               </a:ext>
             </a:extLst>
           </a:blip>
@@ -35405,13 +36408,13 @@
           <p:nvPr/>
         </p:nvPicPr>
         <p:blipFill>
-          <a:blip r:embed="rId15">
+          <a:blip r:embed="rId16">
             <a:extLst>
               <a:ext uri="{28A0092B-C50C-407E-A947-70E740481C1C}">
                 <a14:useLocalDpi xmlns:a14="http://schemas.microsoft.com/office/drawing/2010/main" val="0"/>
               </a:ext>
               <a:ext uri="{96DAC541-7B7A-43D3-8B79-37D633B846F1}">
-                <asvg:svgBlip xmlns:asvg="http://schemas.microsoft.com/office/drawing/2016/SVG/main" r:embed="rId16"/>
+                <asvg:svgBlip xmlns:asvg="http://schemas.microsoft.com/office/drawing/2016/SVG/main" r:embed="rId17"/>
               </a:ext>
             </a:extLst>
           </a:blip>

--- a/EKrut/עבודת צוות קבוצה 15 (1).pptx
+++ b/EKrut/עבודת צוות קבוצה 15 (1).pptx
@@ -143,7 +143,7 @@
   <pc:docChgLst>
     <pc:chgData name="ויטל מרציאנו" userId="227e1458-b9c9-4ac8-9e24-f904ccbd652e" providerId="ADAL" clId="{C9FF0C1C-9F7A-4CD8-8249-A271D2A00C32}"/>
     <pc:docChg chg="custSel modSld sldOrd">
-      <pc:chgData name="ויטל מרציאנו" userId="227e1458-b9c9-4ac8-9e24-f904ccbd652e" providerId="ADAL" clId="{C9FF0C1C-9F7A-4CD8-8249-A271D2A00C32}" dt="2023-01-09T15:28:09.577" v="2359" actId="20577"/>
+      <pc:chgData name="ויטל מרציאנו" userId="227e1458-b9c9-4ac8-9e24-f904ccbd652e" providerId="ADAL" clId="{C9FF0C1C-9F7A-4CD8-8249-A271D2A00C32}" dt="2023-01-09T15:33:24.848" v="2361" actId="20577"/>
       <pc:docMkLst>
         <pc:docMk/>
       </pc:docMkLst>
@@ -162,7 +162,7 @@
         </pc:sldMkLst>
       </pc:sldChg>
       <pc:sldChg chg="modNotesTx">
-        <pc:chgData name="ויטל מרציאנו" userId="227e1458-b9c9-4ac8-9e24-f904ccbd652e" providerId="ADAL" clId="{C9FF0C1C-9F7A-4CD8-8249-A271D2A00C32}" dt="2023-01-09T15:28:09.577" v="2359" actId="20577"/>
+        <pc:chgData name="ויטל מרציאנו" userId="227e1458-b9c9-4ac8-9e24-f904ccbd652e" providerId="ADAL" clId="{C9FF0C1C-9F7A-4CD8-8249-A271D2A00C32}" dt="2023-01-09T15:33:24.848" v="2361" actId="20577"/>
         <pc:sldMkLst>
           <pc:docMk/>
           <pc:sldMk cId="3317050035" sldId="258"/>
@@ -29055,7 +29055,15 @@
           <a:p>
             <a:r>
               <a:rPr lang="he-IL" dirty="0"/>
-              <a:t>אז בתחילת הדרך עוד שעשינו את משמך ההסכמות עשינו חלוקת תפקידים</a:t>
+              <a:t>אז בתחילת הדרך עוד שעשינו </a:t>
+            </a:r>
+            <a:r>
+              <a:rPr lang="he-IL"/>
+              <a:t>את מסמך </a:t>
+            </a:r>
+            <a:r>
+              <a:rPr lang="he-IL" dirty="0"/>
+              <a:t>ההסכמות עשינו חלוקת תפקידים</a:t>
             </a:r>
           </a:p>
           <a:p>
@@ -29567,19 +29575,7 @@
                 <a:ea typeface="Calibri" panose="020F0502020204030204" pitchFamily="34" charset="0"/>
                 <a:cs typeface="Calibri" panose="020F0502020204030204" pitchFamily="34" charset="0"/>
               </a:rPr>
-              <a:t> </a:t>
-            </a:r>
-            <a:r>
-              <a:rPr lang="he-IL" sz="1200">
-                <a:solidFill>
-                  <a:srgbClr val="000000"/>
-                </a:solidFill>
-                <a:effectLst/>
-                <a:latin typeface="Calibri" panose="020F0502020204030204" pitchFamily="34" charset="0"/>
-                <a:ea typeface="Calibri" panose="020F0502020204030204" pitchFamily="34" charset="0"/>
-                <a:cs typeface="Calibri" panose="020F0502020204030204" pitchFamily="34" charset="0"/>
-              </a:rPr>
-              <a:t>ימשיך אותי</a:t>
+              <a:t> ימשיך אותי</a:t>
             </a:r>
             <a:endParaRPr lang="en-US" sz="1200" dirty="0">
               <a:effectLst/>
